--- a/tutorial/quick-start-v2.pptx
+++ b/tutorial/quick-start-v2.pptx
@@ -10016,7 +10016,21 @@
             </a:pPr>
             <a:r>
               <a:rPr lang="en-US" dirty="0"/>
-              <a:t>Suppose we sample a bounding box P={P1, P2,…}, then we further sample smaller bounding boxes PP={PP1, PP2, …}  from P, where PP1 is the corresponding smaller box sampled from P1.</a:t>
+              <a:t>Suppose we sample a bounding box P={P1, P2,…} </a:t>
+            </a:r>
+            <a:r>
+              <a:rPr lang="en-SG" sz="1800" b="0" i="0" u="none" strike="noStrike" dirty="0">
+                <a:solidFill>
+                  <a:srgbClr val="000000"/>
+                </a:solidFill>
+                <a:effectLst/>
+                <a:latin typeface="Calibri" panose="020F0502020204030204" pitchFamily="34" charset="0"/>
+              </a:rPr>
+              <a:t>in Algorithm 1</a:t>
+            </a:r>
+            <a:r>
+              <a:rPr lang="en-US" dirty="0"/>
+              <a:t>, then we further sample smaller bounding boxes PP={PP1, PP2, …}  from P, where PP1 is the corresponding smaller box sampled from P1.</a:t>
             </a:r>
           </a:p>
           <a:p>
@@ -31459,8 +31473,8 @@
           <a:chExt cx="0" cy="0"/>
         </a:xfrm>
       </p:grpSpPr>
-      <mc:AlternateContent xmlns:mc="http://schemas.openxmlformats.org/markup-compatibility/2006">
-        <mc:Choice xmlns:a14="http://schemas.microsoft.com/office/drawing/2010/main" Requires="a14">
+      <mc:AlternateContent xmlns:mc="http://schemas.openxmlformats.org/markup-compatibility/2006" xmlns:a14="http://schemas.microsoft.com/office/drawing/2010/main">
+        <mc:Choice Requires="a14">
           <p:sp>
             <p:nvSpPr>
               <p:cNvPr id="2" name="TextBox 1">
@@ -32162,7 +32176,7 @@
             </p:txBody>
           </p:sp>
         </mc:Choice>
-        <mc:Fallback>
+        <mc:Fallback xmlns="">
           <p:sp>
             <p:nvSpPr>
               <p:cNvPr id="2" name="TextBox 1">

--- a/tutorial/quick-start-v2.pptx
+++ b/tutorial/quick-start-v2.pptx
@@ -10016,7 +10016,7 @@
             </a:pPr>
             <a:r>
               <a:rPr lang="en-US" dirty="0"/>
-              <a:t>Suppose we sample a bounding box P={P1, P2,…} </a:t>
+              <a:t>Suppose we sample a bounding box B={B1, B2,…} </a:t>
             </a:r>
             <a:r>
               <a:rPr lang="en-SG" sz="1800" b="0" i="0" u="none" strike="noStrike" dirty="0">
@@ -10030,7 +10030,7 @@
             </a:r>
             <a:r>
               <a:rPr lang="en-US" dirty="0"/>
-              <a:t>, then we further sample smaller bounding boxes PP={PP1, PP2, …}  from P, where PP1 is the corresponding smaller box sampled from P1.</a:t>
+              <a:t>, then we further sample smaller bounding boxes BB={BB1, BB2, …}  from B, where BB1 is the corresponding smaller box sampled from B1.</a:t>
             </a:r>
           </a:p>
           <a:p>
@@ -10052,11 +10052,11 @@
             </a:r>
             <a:r>
               <a:rPr lang="en-US" dirty="0" err="1"/>
-              <a:t>PPi</a:t>
+              <a:t>BBi</a:t>
             </a:r>
             <a:r>
               <a:rPr lang="en-US" dirty="0"/>
-              <a:t> in PP:</a:t>
+              <a:t> in BB:</a:t>
             </a:r>
           </a:p>
           <a:p>
@@ -10495,7 +10495,7 @@
           <a:p>
             <a:r>
               <a:rPr lang="en-US" dirty="0"/>
-              <a:t>P1</a:t>
+              <a:t>B1</a:t>
             </a:r>
           </a:p>
         </p:txBody>
@@ -10530,7 +10530,7 @@
           <a:p>
             <a:r>
               <a:rPr lang="en-US" dirty="0"/>
-              <a:t>PP1</a:t>
+              <a:t>BB1</a:t>
             </a:r>
           </a:p>
         </p:txBody>
@@ -12022,7 +12022,7 @@
           <a:p>
             <a:r>
               <a:rPr lang="en-US" dirty="0"/>
-              <a:t>PP1</a:t>
+              <a:t>BB1</a:t>
             </a:r>
           </a:p>
         </p:txBody>
@@ -12358,7 +12358,7 @@
         <p:spPr>
           <a:xfrm>
             <a:off x="556591" y="5103807"/>
-            <a:ext cx="5088835" cy="369332"/>
+            <a:ext cx="5088835" cy="646331"/>
           </a:xfrm>
           <a:prstGeom prst="rect">
             <a:avLst/>
@@ -12373,7 +12373,7 @@
           <a:p>
             <a:r>
               <a:rPr lang="en-US" dirty="0"/>
-              <a:t>Here, the anchor A is from the sampling points of </a:t>
+              <a:t>Here, the anchor A is from the sampling points of P in Algorithm 1. </a:t>
             </a:r>
           </a:p>
         </p:txBody>
@@ -31473,8 +31473,8 @@
           <a:chExt cx="0" cy="0"/>
         </a:xfrm>
       </p:grpSpPr>
-      <mc:AlternateContent xmlns:mc="http://schemas.openxmlformats.org/markup-compatibility/2006" xmlns:a14="http://schemas.microsoft.com/office/drawing/2010/main">
-        <mc:Choice Requires="a14">
+      <mc:AlternateContent xmlns:mc="http://schemas.openxmlformats.org/markup-compatibility/2006">
+        <mc:Choice xmlns:a14="http://schemas.microsoft.com/office/drawing/2010/main" Requires="a14">
           <p:sp>
             <p:nvSpPr>
               <p:cNvPr id="2" name="TextBox 1">
@@ -31524,7 +31524,7 @@
               <a:p>
                 <a:r>
                   <a:rPr lang="en-US" dirty="0"/>
-                  <a:t>       Sampling K pairs P={P1, P2,…} from small bounding boxes B={b1,b2,…} of a depth map</a:t>
+                  <a:t>       Sampling K pairs P={P1, P2,…} from small bounding boxes B={B1,B2,…} of a depth map</a:t>
                 </a:r>
               </a:p>
               <a:p>
@@ -32176,7 +32176,7 @@
             </p:txBody>
           </p:sp>
         </mc:Choice>
-        <mc:Fallback xmlns="">
+        <mc:Fallback>
           <p:sp>
             <p:nvSpPr>
               <p:cNvPr id="2" name="TextBox 1">

--- a/tutorial/quick-start-v2.pptx
+++ b/tutorial/quick-start-v2.pptx
@@ -10083,15 +10083,35 @@
             </a:pPr>
             <a:r>
               <a:rPr lang="en-US" dirty="0"/>
-              <a:t>    Encourage these neighbors on the rendered depth of </a:t>
+              <a:t>    Encourage these neighbors </a:t>
             </a:r>
             <a:r>
-              <a:rPr lang="en-US" dirty="0" err="1"/>
+              <a:rPr lang="en-US" dirty="0">
+                <a:solidFill>
+                  <a:srgbClr val="0432FF"/>
+                </a:solidFill>
+              </a:rPr>
+              <a:t>on the rendered depth of </a:t>
+            </a:r>
+            <a:r>
+              <a:rPr lang="en-US" dirty="0" err="1">
+                <a:solidFill>
+                  <a:srgbClr val="0432FF"/>
+                </a:solidFill>
+              </a:rPr>
               <a:t>NeRF</a:t>
             </a:r>
             <a:r>
+              <a:rPr lang="en-US" dirty="0">
+                <a:solidFill>
+                  <a:srgbClr val="0432FF"/>
+                </a:solidFill>
+              </a:rPr>
+              <a:t> </a:t>
+            </a:r>
+            <a:r>
               <a:rPr lang="en-US" dirty="0"/>
-              <a:t> to be continuous. We randomly select one neighbor </a:t>
+              <a:t>to be continuous. We randomly select one neighbor </a:t>
             </a:r>
             <a:r>
               <a:rPr lang="en-US" dirty="0" err="1"/>
@@ -10113,11 +10133,11 @@
           <a:p>
             <a:r>
               <a:rPr lang="en-US" dirty="0"/>
-              <a:t>           we compute the loss2= loss2+ max(|</a:t>
+              <a:t>           we compute the loss2= loss2+ max(|depth’_A-depth’_</a:t>
             </a:r>
             <a:r>
               <a:rPr lang="en-US" dirty="0" err="1"/>
-              <a:t>depth_A-depth_A_i</a:t>
+              <a:t>A_i</a:t>
             </a:r>
             <a:r>
               <a:rPr lang="en-US" dirty="0"/>

--- a/tutorial/quick-start-v2.pptx
+++ b/tutorial/quick-start-v2.pptx
@@ -10016,7 +10016,7 @@
             </a:pPr>
             <a:r>
               <a:rPr lang="en-US" dirty="0"/>
-              <a:t>Suppose we sample a bounding box B={B1, B2,…} </a:t>
+              <a:t>Suppose we sample a bounding box set B={B1, B2,…} </a:t>
             </a:r>
             <a:r>
               <a:rPr lang="en-SG" sz="1800" b="0" i="0" u="none" strike="noStrike" dirty="0">
@@ -12026,7 +12026,7 @@
         </p:nvSpPr>
         <p:spPr>
           <a:xfrm>
-            <a:off x="8830169" y="984297"/>
+            <a:off x="8731992" y="810008"/>
             <a:ext cx="858390" cy="369332"/>
           </a:xfrm>
           <a:prstGeom prst="rect">
@@ -31510,7 +31510,7 @@
             <p:spPr>
               <a:xfrm>
                 <a:off x="768626" y="1627053"/>
-                <a:ext cx="10946295" cy="3139321"/>
+                <a:ext cx="10946295" cy="3970318"/>
               </a:xfrm>
               <a:prstGeom prst="rect">
                 <a:avLst/>
@@ -32081,7 +32081,15 @@
                 </a14:m>
                 <a:r>
                   <a:rPr lang="en-US" dirty="0"/>
-                  <a:t>+m, 0) // note that we compute loss for the rendered depth map</a:t>
+                  <a:t>+m, 0) // note that we compute loss for the </a:t>
+                </a:r>
+                <a:r>
+                  <a:rPr lang="en-US" dirty="0">
+                    <a:solidFill>
+                      <a:srgbClr val="0432FF"/>
+                    </a:solidFill>
+                  </a:rPr>
+                  <a:t>rendered depth map</a:t>
                 </a:r>
               </a:p>
               <a:p>
@@ -32190,8 +32198,147 @@
                 </a14:m>
                 <a:r>
                   <a:rPr lang="en-US" dirty="0"/>
-                  <a:t>+m, 0)//m is a small margin</a:t>
+                  <a:t>+m, 0)</a:t>
                 </a:r>
+              </a:p>
+              <a:p>
+                <a:pPr marL="342900" indent="-342900">
+                  <a:buAutoNum type="arabicPeriod"/>
+                </a:pPr>
+                <a:r>
+                  <a:rPr lang="en-US" dirty="0"/>
+                  <a:t>//m is a small margin, </a:t>
+                </a:r>
+                <a14:m>
+                  <m:oMath xmlns:m="http://schemas.openxmlformats.org/officeDocument/2006/math">
+                    <m:sSub>
+                      <m:sSubPr>
+                        <m:ctrlPr>
+                          <a:rPr lang="en-US" i="1">
+                            <a:solidFill>
+                              <a:srgbClr val="0432FF"/>
+                            </a:solidFill>
+                            <a:latin typeface="Cambria Math" panose="02040503050406030204" pitchFamily="18" charset="0"/>
+                          </a:rPr>
+                        </m:ctrlPr>
+                      </m:sSubPr>
+                      <m:e>
+                        <m:sSub>
+                          <m:sSubPr>
+                            <m:ctrlPr>
+                              <a:rPr lang="en-US" i="1">
+                                <a:solidFill>
+                                  <a:srgbClr val="FF0000"/>
+                                </a:solidFill>
+                                <a:latin typeface="Cambria Math" panose="02040503050406030204" pitchFamily="18" charset="0"/>
+                              </a:rPr>
+                            </m:ctrlPr>
+                          </m:sSubPr>
+                          <m:e>
+                            <m:r>
+                              <a:rPr lang="en-US" i="1">
+                                <a:latin typeface="Cambria Math" panose="02040503050406030204" pitchFamily="18" charset="0"/>
+                              </a:rPr>
+                              <m:t>𝑑𝑒𝑝𝑡h</m:t>
+                            </m:r>
+                            <m:r>
+                              <a:rPr lang="en-US" i="1">
+                                <a:latin typeface="Cambria Math" panose="02040503050406030204" pitchFamily="18" charset="0"/>
+                              </a:rPr>
+                              <m:t>′</m:t>
+                            </m:r>
+                          </m:e>
+                          <m:sub>
+                            <m:r>
+                              <a:rPr lang="en-US" i="1">
+                                <a:solidFill>
+                                  <a:srgbClr val="FF0000"/>
+                                </a:solidFill>
+                                <a:latin typeface="Cambria Math" panose="02040503050406030204" pitchFamily="18" charset="0"/>
+                              </a:rPr>
+                              <m:t>𝑏</m:t>
+                            </m:r>
+                          </m:sub>
+                        </m:sSub>
+                        <m:r>
+                          <a:rPr lang="en-US" b="0" i="1" smtClean="0">
+                            <a:solidFill>
+                              <a:srgbClr val="0432FF"/>
+                            </a:solidFill>
+                            <a:latin typeface="Cambria Math" panose="02040503050406030204" pitchFamily="18" charset="0"/>
+                          </a:rPr>
+                          <m:t>𝑎𝑛𝑑</m:t>
+                        </m:r>
+                        <m:r>
+                          <a:rPr lang="en-US" b="0" i="1" smtClean="0">
+                            <a:solidFill>
+                              <a:srgbClr val="FF0000"/>
+                            </a:solidFill>
+                            <a:latin typeface="Cambria Math" panose="02040503050406030204" pitchFamily="18" charset="0"/>
+                          </a:rPr>
+                          <m:t> </m:t>
+                        </m:r>
+                        <m:r>
+                          <a:rPr lang="en-US" i="1">
+                            <a:latin typeface="Cambria Math" panose="02040503050406030204" pitchFamily="18" charset="0"/>
+                          </a:rPr>
+                          <m:t>𝑑𝑒𝑝𝑡h</m:t>
+                        </m:r>
+                        <m:r>
+                          <a:rPr lang="en-US" i="1">
+                            <a:latin typeface="Cambria Math" panose="02040503050406030204" pitchFamily="18" charset="0"/>
+                          </a:rPr>
+                          <m:t>′</m:t>
+                        </m:r>
+                      </m:e>
+                      <m:sub>
+                        <m:r>
+                          <a:rPr lang="en-US" i="1">
+                            <a:solidFill>
+                              <a:srgbClr val="0432FF"/>
+                            </a:solidFill>
+                            <a:latin typeface="Cambria Math" panose="02040503050406030204" pitchFamily="18" charset="0"/>
+                          </a:rPr>
+                          <m:t>𝑎</m:t>
+                        </m:r>
+                      </m:sub>
+                    </m:sSub>
+                  </m:oMath>
+                </a14:m>
+                <a:r>
+                  <a:rPr lang="en-US" dirty="0"/>
+                  <a:t> are not necessary</a:t>
+                </a:r>
+              </a:p>
+              <a:p>
+                <a:pPr marL="342900" indent="-342900">
+                  <a:buAutoNum type="arabicPeriod"/>
+                </a:pPr>
+                <a:r>
+                  <a:rPr lang="en-US" dirty="0"/>
+                  <a:t>//inverse depth map, we use NDC here. You might </a:t>
+                </a:r>
+                <a:r>
+                  <a:rPr lang="en-SG" dirty="0"/>
+                  <a:t>carefully adjust the loss weights to balance </a:t>
+                </a:r>
+                <a:r>
+                  <a:rPr lang="en-SG" dirty="0" err="1"/>
+                  <a:t>rgb</a:t>
+                </a:r>
+                <a:r>
+                  <a:rPr lang="en-SG" dirty="0"/>
+                  <a:t> </a:t>
+                </a:r>
+                <a:r>
+                  <a:rPr lang="en-SG" dirty="0" err="1"/>
+                  <a:t>color</a:t>
+                </a:r>
+                <a:r>
+                  <a:rPr lang="en-SG" dirty="0"/>
+                  <a:t> //reconstruction and depth distillation losses. </a:t>
+                </a:r>
+                <a:endParaRPr lang="en-US" dirty="0"/>
               </a:p>
             </p:txBody>
           </p:sp>
@@ -32214,7 +32361,7 @@
             <p:spPr>
               <a:xfrm>
                 <a:off x="768626" y="1627053"/>
-                <a:ext cx="10946295" cy="3139321"/>
+                <a:ext cx="10946295" cy="3970318"/>
               </a:xfrm>
               <a:prstGeom prst="rect">
                 <a:avLst/>
@@ -32222,7 +32369,7 @@
               <a:blipFill>
                 <a:blip r:embed="rId2"/>
                 <a:stretch>
-                  <a:fillRect l="-463" t="-1210" b="-2419"/>
+                  <a:fillRect l="-463" t="-958" b="-1597"/>
                 </a:stretch>
               </a:blipFill>
             </p:spPr>

--- a/tutorial/quick-start-v2.pptx
+++ b/tutorial/quick-start-v2.pptx
@@ -206,7 +206,7 @@
           <a:p>
             <a:fld id="{26E3B366-38E5-744D-AFFC-C50630A45094}" type="datetimeFigureOut">
               <a:rPr lang="en-US" smtClean="0"/>
-              <a:t>9/6/23</a:t>
+              <a:t>9/10/23</a:t>
             </a:fld>
             <a:endParaRPr lang="en-US"/>
           </a:p>
@@ -707,7 +707,7 @@
           <a:p>
             <a:fld id="{537DCFEA-1B05-6E46-A950-5A5B84AA9148}" type="datetimeFigureOut">
               <a:rPr lang="en-US" smtClean="0"/>
-              <a:t>9/6/23</a:t>
+              <a:t>9/10/23</a:t>
             </a:fld>
             <a:endParaRPr lang="en-US"/>
           </a:p>
@@ -907,7 +907,7 @@
           <a:p>
             <a:fld id="{537DCFEA-1B05-6E46-A950-5A5B84AA9148}" type="datetimeFigureOut">
               <a:rPr lang="en-US" smtClean="0"/>
-              <a:t>9/6/23</a:t>
+              <a:t>9/10/23</a:t>
             </a:fld>
             <a:endParaRPr lang="en-US"/>
           </a:p>
@@ -1117,7 +1117,7 @@
           <a:p>
             <a:fld id="{537DCFEA-1B05-6E46-A950-5A5B84AA9148}" type="datetimeFigureOut">
               <a:rPr lang="en-US" smtClean="0"/>
-              <a:t>9/6/23</a:t>
+              <a:t>9/10/23</a:t>
             </a:fld>
             <a:endParaRPr lang="en-US"/>
           </a:p>
@@ -1317,7 +1317,7 @@
           <a:p>
             <a:fld id="{537DCFEA-1B05-6E46-A950-5A5B84AA9148}" type="datetimeFigureOut">
               <a:rPr lang="en-US" smtClean="0"/>
-              <a:t>9/6/23</a:t>
+              <a:t>9/10/23</a:t>
             </a:fld>
             <a:endParaRPr lang="en-US"/>
           </a:p>
@@ -1593,7 +1593,7 @@
           <a:p>
             <a:fld id="{537DCFEA-1B05-6E46-A950-5A5B84AA9148}" type="datetimeFigureOut">
               <a:rPr lang="en-US" smtClean="0"/>
-              <a:t>9/6/23</a:t>
+              <a:t>9/10/23</a:t>
             </a:fld>
             <a:endParaRPr lang="en-US"/>
           </a:p>
@@ -1861,7 +1861,7 @@
           <a:p>
             <a:fld id="{537DCFEA-1B05-6E46-A950-5A5B84AA9148}" type="datetimeFigureOut">
               <a:rPr lang="en-US" smtClean="0"/>
-              <a:t>9/6/23</a:t>
+              <a:t>9/10/23</a:t>
             </a:fld>
             <a:endParaRPr lang="en-US"/>
           </a:p>
@@ -2276,7 +2276,7 @@
           <a:p>
             <a:fld id="{537DCFEA-1B05-6E46-A950-5A5B84AA9148}" type="datetimeFigureOut">
               <a:rPr lang="en-US" smtClean="0"/>
-              <a:t>9/6/23</a:t>
+              <a:t>9/10/23</a:t>
             </a:fld>
             <a:endParaRPr lang="en-US"/>
           </a:p>
@@ -2418,7 +2418,7 @@
           <a:p>
             <a:fld id="{537DCFEA-1B05-6E46-A950-5A5B84AA9148}" type="datetimeFigureOut">
               <a:rPr lang="en-US" smtClean="0"/>
-              <a:t>9/6/23</a:t>
+              <a:t>9/10/23</a:t>
             </a:fld>
             <a:endParaRPr lang="en-US"/>
           </a:p>
@@ -2531,7 +2531,7 @@
           <a:p>
             <a:fld id="{537DCFEA-1B05-6E46-A950-5A5B84AA9148}" type="datetimeFigureOut">
               <a:rPr lang="en-US" smtClean="0"/>
-              <a:t>9/6/23</a:t>
+              <a:t>9/10/23</a:t>
             </a:fld>
             <a:endParaRPr lang="en-US"/>
           </a:p>
@@ -2844,7 +2844,7 @@
           <a:p>
             <a:fld id="{537DCFEA-1B05-6E46-A950-5A5B84AA9148}" type="datetimeFigureOut">
               <a:rPr lang="en-US" smtClean="0"/>
-              <a:t>9/6/23</a:t>
+              <a:t>9/10/23</a:t>
             </a:fld>
             <a:endParaRPr lang="en-US"/>
           </a:p>
@@ -3133,7 +3133,7 @@
           <a:p>
             <a:fld id="{537DCFEA-1B05-6E46-A950-5A5B84AA9148}" type="datetimeFigureOut">
               <a:rPr lang="en-US" smtClean="0"/>
-              <a:t>9/6/23</a:t>
+              <a:t>9/10/23</a:t>
             </a:fld>
             <a:endParaRPr lang="en-US"/>
           </a:p>
@@ -3376,7 +3376,7 @@
           <a:p>
             <a:fld id="{537DCFEA-1B05-6E46-A950-5A5B84AA9148}" type="datetimeFigureOut">
               <a:rPr lang="en-US" smtClean="0"/>
-              <a:t>9/6/23</a:t>
+              <a:t>9/10/23</a:t>
             </a:fld>
             <a:endParaRPr lang="en-US"/>
           </a:p>
@@ -24193,6 +24193,60 @@
       </p:grpSpPr>
       <p:sp>
         <p:nvSpPr>
+          <p:cNvPr id="112" name="Rectangle 111">
+            <a:extLst>
+              <a:ext uri="{FF2B5EF4-FFF2-40B4-BE49-F238E27FC236}">
+                <a16:creationId xmlns:a16="http://schemas.microsoft.com/office/drawing/2014/main" id="{C5A795EE-5BE4-6143-8DAC-6482D3CCE5D3}"/>
+              </a:ext>
+            </a:extLst>
+          </p:cNvPr>
+          <p:cNvSpPr/>
+          <p:nvPr/>
+        </p:nvSpPr>
+        <p:spPr>
+          <a:xfrm>
+            <a:off x="4315781" y="1484557"/>
+            <a:ext cx="2928922" cy="1751094"/>
+          </a:xfrm>
+          <a:prstGeom prst="rect">
+            <a:avLst/>
+          </a:prstGeom>
+          <a:solidFill>
+            <a:schemeClr val="bg2">
+              <a:alpha val="55173"/>
+            </a:schemeClr>
+          </a:solidFill>
+          <a:ln>
+            <a:noFill/>
+          </a:ln>
+        </p:spPr>
+        <p:style>
+          <a:lnRef idx="2">
+            <a:schemeClr val="accent1">
+              <a:shade val="50000"/>
+            </a:schemeClr>
+          </a:lnRef>
+          <a:fillRef idx="1">
+            <a:schemeClr val="accent1"/>
+          </a:fillRef>
+          <a:effectRef idx="0">
+            <a:schemeClr val="accent1"/>
+          </a:effectRef>
+          <a:fontRef idx="minor">
+            <a:schemeClr val="lt1"/>
+          </a:fontRef>
+        </p:style>
+        <p:txBody>
+          <a:bodyPr rtlCol="0" anchor="ctr"/>
+          <a:lstStyle/>
+          <a:p>
+            <a:pPr algn="ctr"/>
+            <a:endParaRPr lang="en-US"/>
+          </a:p>
+        </p:txBody>
+      </p:sp>
+      <p:sp>
+        <p:nvSpPr>
           <p:cNvPr id="5" name="Rounded Rectangle 4">
             <a:extLst>
               <a:ext uri="{FF2B5EF4-FFF2-40B4-BE49-F238E27FC236}">
@@ -27734,60 +27788,6 @@
               <a:rPr lang="en-US" sz="1200" b="1" dirty="0"/>
               <a:t>Coarse depth map</a:t>
             </a:r>
-          </a:p>
-        </p:txBody>
-      </p:sp>
-      <p:sp>
-        <p:nvSpPr>
-          <p:cNvPr id="112" name="Rectangle 111">
-            <a:extLst>
-              <a:ext uri="{FF2B5EF4-FFF2-40B4-BE49-F238E27FC236}">
-                <a16:creationId xmlns:a16="http://schemas.microsoft.com/office/drawing/2014/main" id="{C5A795EE-5BE4-6143-8DAC-6482D3CCE5D3}"/>
-              </a:ext>
-            </a:extLst>
-          </p:cNvPr>
-          <p:cNvSpPr/>
-          <p:nvPr/>
-        </p:nvSpPr>
-        <p:spPr>
-          <a:xfrm>
-            <a:off x="4315781" y="1484557"/>
-            <a:ext cx="2928922" cy="1751094"/>
-          </a:xfrm>
-          <a:prstGeom prst="rect">
-            <a:avLst/>
-          </a:prstGeom>
-          <a:solidFill>
-            <a:schemeClr val="bg2">
-              <a:alpha val="55173"/>
-            </a:schemeClr>
-          </a:solidFill>
-          <a:ln>
-            <a:noFill/>
-          </a:ln>
-        </p:spPr>
-        <p:style>
-          <a:lnRef idx="2">
-            <a:schemeClr val="accent1">
-              <a:shade val="50000"/>
-            </a:schemeClr>
-          </a:lnRef>
-          <a:fillRef idx="1">
-            <a:schemeClr val="accent1"/>
-          </a:fillRef>
-          <a:effectRef idx="0">
-            <a:schemeClr val="accent1"/>
-          </a:effectRef>
-          <a:fontRef idx="minor">
-            <a:schemeClr val="lt1"/>
-          </a:fontRef>
-        </p:style>
-        <p:txBody>
-          <a:bodyPr rtlCol="0" anchor="ctr"/>
-          <a:lstStyle/>
-          <a:p>
-            <a:pPr algn="ctr"/>
-            <a:endParaRPr lang="en-US"/>
           </a:p>
         </p:txBody>
       </p:sp>
@@ -31493,8 +31493,8 @@
           <a:chExt cx="0" cy="0"/>
         </a:xfrm>
       </p:grpSpPr>
-      <mc:AlternateContent xmlns:mc="http://schemas.openxmlformats.org/markup-compatibility/2006">
-        <mc:Choice xmlns:a14="http://schemas.microsoft.com/office/drawing/2010/main" Requires="a14">
+      <mc:AlternateContent xmlns:mc="http://schemas.openxmlformats.org/markup-compatibility/2006" xmlns:a14="http://schemas.microsoft.com/office/drawing/2010/main">
+        <mc:Choice Requires="a14">
           <p:sp>
             <p:nvSpPr>
               <p:cNvPr id="2" name="TextBox 1">
@@ -32343,7 +32343,7 @@
             </p:txBody>
           </p:sp>
         </mc:Choice>
-        <mc:Fallback>
+        <mc:Fallback xmlns="">
           <p:sp>
             <p:nvSpPr>
               <p:cNvPr id="2" name="TextBox 1">
@@ -32453,6 +32453,60 @@
           <a:chExt cx="0" cy="0"/>
         </a:xfrm>
       </p:grpSpPr>
+      <p:sp>
+        <p:nvSpPr>
+          <p:cNvPr id="69" name="Rectangle 68">
+            <a:extLst>
+              <a:ext uri="{FF2B5EF4-FFF2-40B4-BE49-F238E27FC236}">
+                <a16:creationId xmlns:a16="http://schemas.microsoft.com/office/drawing/2014/main" id="{237290DD-33B8-A448-B4C7-AF3D40348EA7}"/>
+              </a:ext>
+            </a:extLst>
+          </p:cNvPr>
+          <p:cNvSpPr/>
+          <p:nvPr/>
+        </p:nvSpPr>
+        <p:spPr>
+          <a:xfrm>
+            <a:off x="4315781" y="3182724"/>
+            <a:ext cx="2928922" cy="1751094"/>
+          </a:xfrm>
+          <a:prstGeom prst="rect">
+            <a:avLst/>
+          </a:prstGeom>
+          <a:solidFill>
+            <a:schemeClr val="bg2">
+              <a:alpha val="55173"/>
+            </a:schemeClr>
+          </a:solidFill>
+          <a:ln>
+            <a:noFill/>
+          </a:ln>
+        </p:spPr>
+        <p:style>
+          <a:lnRef idx="2">
+            <a:schemeClr val="accent1">
+              <a:shade val="50000"/>
+            </a:schemeClr>
+          </a:lnRef>
+          <a:fillRef idx="1">
+            <a:schemeClr val="accent1"/>
+          </a:fillRef>
+          <a:effectRef idx="0">
+            <a:schemeClr val="accent1"/>
+          </a:effectRef>
+          <a:fontRef idx="minor">
+            <a:schemeClr val="lt1"/>
+          </a:fontRef>
+        </p:style>
+        <p:txBody>
+          <a:bodyPr rtlCol="0" anchor="ctr"/>
+          <a:lstStyle/>
+          <a:p>
+            <a:pPr algn="ctr"/>
+            <a:endParaRPr lang="en-US"/>
+          </a:p>
+        </p:txBody>
+      </p:sp>
       <p:sp>
         <p:nvSpPr>
           <p:cNvPr id="5" name="Rounded Rectangle 4">
@@ -35996,60 +36050,6 @@
               <a:rPr lang="en-US" sz="1200" b="1" dirty="0"/>
               <a:t>Coarse depth map</a:t>
             </a:r>
-          </a:p>
-        </p:txBody>
-      </p:sp>
-      <p:sp>
-        <p:nvSpPr>
-          <p:cNvPr id="69" name="Rectangle 68">
-            <a:extLst>
-              <a:ext uri="{FF2B5EF4-FFF2-40B4-BE49-F238E27FC236}">
-                <a16:creationId xmlns:a16="http://schemas.microsoft.com/office/drawing/2014/main" id="{237290DD-33B8-A448-B4C7-AF3D40348EA7}"/>
-              </a:ext>
-            </a:extLst>
-          </p:cNvPr>
-          <p:cNvSpPr/>
-          <p:nvPr/>
-        </p:nvSpPr>
-        <p:spPr>
-          <a:xfrm>
-            <a:off x="4315781" y="3182724"/>
-            <a:ext cx="2928922" cy="1751094"/>
-          </a:xfrm>
-          <a:prstGeom prst="rect">
-            <a:avLst/>
-          </a:prstGeom>
-          <a:solidFill>
-            <a:schemeClr val="bg2">
-              <a:alpha val="55173"/>
-            </a:schemeClr>
-          </a:solidFill>
-          <a:ln>
-            <a:noFill/>
-          </a:ln>
-        </p:spPr>
-        <p:style>
-          <a:lnRef idx="2">
-            <a:schemeClr val="accent1">
-              <a:shade val="50000"/>
-            </a:schemeClr>
-          </a:lnRef>
-          <a:fillRef idx="1">
-            <a:schemeClr val="accent1"/>
-          </a:fillRef>
-          <a:effectRef idx="0">
-            <a:schemeClr val="accent1"/>
-          </a:effectRef>
-          <a:fontRef idx="minor">
-            <a:schemeClr val="lt1"/>
-          </a:fontRef>
-        </p:style>
-        <p:txBody>
-          <a:bodyPr rtlCol="0" anchor="ctr"/>
-          <a:lstStyle/>
-          <a:p>
-            <a:pPr algn="ctr"/>
-            <a:endParaRPr lang="en-US"/>
           </a:p>
         </p:txBody>
       </p:sp>

--- a/tutorial/quick-start-v2.pptx
+++ b/tutorial/quick-start-v2.pptx
@@ -10030,7 +10030,19 @@
             </a:r>
             <a:r>
               <a:rPr lang="en-US" dirty="0"/>
-              <a:t>, then we further sample smaller bounding boxes BB={BB1, BB2, …}  from B, where BB1 is the corresponding smaller box sampled from B1.</a:t>
+              <a:t>, then we further </a:t>
+            </a:r>
+            <a:r>
+              <a:rPr lang="en-US" dirty="0">
+                <a:solidFill>
+                  <a:srgbClr val="FF0000"/>
+                </a:solidFill>
+              </a:rPr>
+              <a:t>sample smaller bounding boxes BB={BB1, BB2, …}  from B (see below)</a:t>
+            </a:r>
+            <a:r>
+              <a:rPr lang="en-US" dirty="0"/>
+              <a:t>, where BB1 is the corresponding smaller box sampled from B1. </a:t>
             </a:r>
           </a:p>
           <a:p>
@@ -12377,8 +12389,8 @@
         </p:nvSpPr>
         <p:spPr>
           <a:xfrm>
-            <a:off x="556591" y="5103807"/>
-            <a:ext cx="5088835" cy="646331"/>
+            <a:off x="561085" y="4851495"/>
+            <a:ext cx="5088835" cy="923330"/>
           </a:xfrm>
           <a:prstGeom prst="rect">
             <a:avLst/>
@@ -12392,8 +12404,12 @@
           <a:lstStyle/>
           <a:p>
             <a:r>
-              <a:rPr lang="en-US" dirty="0"/>
-              <a:t>Here, the anchor A is from the sampling points of P in Algorithm 1. </a:t>
+              <a:rPr lang="en-US" dirty="0">
+                <a:solidFill>
+                  <a:srgbClr val="FF0000"/>
+                </a:solidFill>
+              </a:rPr>
+              <a:t>In Algorithm 1, we sample K pairs of points. Now, we use these points as anchors (centers). We further crop smaller boxes BB. </a:t>
             </a:r>
           </a:p>
         </p:txBody>
@@ -12429,6 +12445,117 @@
             <a:r>
               <a:rPr lang="en-US" dirty="0"/>
               <a:t>Algorithm 2:</a:t>
+            </a:r>
+          </a:p>
+        </p:txBody>
+      </p:sp>
+      <p:sp>
+        <p:nvSpPr>
+          <p:cNvPr id="26" name="TextBox 25">
+            <a:extLst>
+              <a:ext uri="{FF2B5EF4-FFF2-40B4-BE49-F238E27FC236}">
+                <a16:creationId xmlns:a16="http://schemas.microsoft.com/office/drawing/2014/main" id="{0D86BAB5-6D6C-714C-8732-11980852AF73}"/>
+              </a:ext>
+            </a:extLst>
+          </p:cNvPr>
+          <p:cNvSpPr txBox="1"/>
+          <p:nvPr/>
+        </p:nvSpPr>
+        <p:spPr>
+          <a:xfrm>
+            <a:off x="421901" y="5986525"/>
+            <a:ext cx="6096000" cy="646331"/>
+          </a:xfrm>
+          <a:prstGeom prst="rect">
+            <a:avLst/>
+          </a:prstGeom>
+          <a:noFill/>
+        </p:spPr>
+        <p:txBody>
+          <a:bodyPr wrap="square">
+            <a:spAutoFit/>
+          </a:bodyPr>
+          <a:lstStyle/>
+          <a:p>
+            <a:r>
+              <a:rPr lang="en-US" dirty="0"/>
+              <a:t>Here, the anchor A is from the sampling points of P in Algorithm 1. </a:t>
+            </a:r>
+          </a:p>
+        </p:txBody>
+      </p:sp>
+      <p:cxnSp>
+        <p:nvCxnSpPr>
+          <p:cNvPr id="28" name="Straight Arrow Connector 27">
+            <a:extLst>
+              <a:ext uri="{FF2B5EF4-FFF2-40B4-BE49-F238E27FC236}">
+                <a16:creationId xmlns:a16="http://schemas.microsoft.com/office/drawing/2014/main" id="{A90EE074-53B6-7440-99B3-9641E98AD43D}"/>
+              </a:ext>
+            </a:extLst>
+          </p:cNvPr>
+          <p:cNvCxnSpPr>
+            <a:cxnSpLocks/>
+          </p:cNvCxnSpPr>
+          <p:nvPr/>
+        </p:nvCxnSpPr>
+        <p:spPr>
+          <a:xfrm>
+            <a:off x="7804481" y="1034823"/>
+            <a:ext cx="2165215" cy="936560"/>
+          </a:xfrm>
+          <a:prstGeom prst="straightConnector1">
+            <a:avLst/>
+          </a:prstGeom>
+          <a:ln>
+            <a:tailEnd type="triangle"/>
+          </a:ln>
+        </p:spPr>
+        <p:style>
+          <a:lnRef idx="1">
+            <a:schemeClr val="accent1"/>
+          </a:lnRef>
+          <a:fillRef idx="0">
+            <a:schemeClr val="accent1"/>
+          </a:fillRef>
+          <a:effectRef idx="0">
+            <a:schemeClr val="accent1"/>
+          </a:effectRef>
+          <a:fontRef idx="minor">
+            <a:schemeClr val="tx1"/>
+          </a:fontRef>
+        </p:style>
+      </p:cxnSp>
+      <p:sp>
+        <p:nvSpPr>
+          <p:cNvPr id="13" name="TextBox 12">
+            <a:extLst>
+              <a:ext uri="{FF2B5EF4-FFF2-40B4-BE49-F238E27FC236}">
+                <a16:creationId xmlns:a16="http://schemas.microsoft.com/office/drawing/2014/main" id="{4E2A3DFE-7558-F24E-B4FE-7A31B36B2B19}"/>
+              </a:ext>
+            </a:extLst>
+          </p:cNvPr>
+          <p:cNvSpPr txBox="1"/>
+          <p:nvPr/>
+        </p:nvSpPr>
+        <p:spPr>
+          <a:xfrm>
+            <a:off x="6862200" y="415178"/>
+            <a:ext cx="1664658" cy="646331"/>
+          </a:xfrm>
+          <a:prstGeom prst="rect">
+            <a:avLst/>
+          </a:prstGeom>
+          <a:noFill/>
+        </p:spPr>
+        <p:txBody>
+          <a:bodyPr wrap="square" rtlCol="0">
+            <a:spAutoFit/>
+          </a:bodyPr>
+          <a:lstStyle/>
+          <a:p>
+            <a:r>
+              <a:rPr lang="en-US" sz="1200" dirty="0"/>
+              <a:t>Sampled points in Algorithm 1, anchor, centers of the box</a:t>
             </a:r>
           </a:p>
         </p:txBody>
